--- a/logo.pptx
+++ b/logo.pptx
@@ -4,9 +4,16 @@
   <p:sldMasterIdLst>
     <p:sldMasterId id="2147483648" r:id="rId1"/>
   </p:sldMasterIdLst>
+  <p:notesMasterIdLst>
+    <p:notesMasterId r:id="rId8"/>
+  </p:notesMasterIdLst>
   <p:sldIdLst>
     <p:sldId id="256" r:id="rId2"/>
     <p:sldId id="257" r:id="rId3"/>
+    <p:sldId id="259" r:id="rId4"/>
+    <p:sldId id="258" r:id="rId5"/>
+    <p:sldId id="262" r:id="rId6"/>
+    <p:sldId id="263" r:id="rId7"/>
   </p:sldIdLst>
   <p:sldSz cx="12192000" cy="6858000"/>
   <p:notesSz cx="6858000" cy="9144000"/>
@@ -105,7 +112,445 @@
       </a:defRPr>
     </a:lvl9pPr>
   </p:defaultTextStyle>
+  <p:extLst>
+    <p:ext uri="{EFAFB233-063F-42B5-8137-9DF3F51BA10A}">
+      <p15:sldGuideLst xmlns:p15="http://schemas.microsoft.com/office/powerpoint/2012/main"/>
+    </p:ext>
+  </p:extLst>
 </p:presentation>
+</file>
+
+<file path=ppt/notesMasters/notesMaster1.xml><?xml version="1.0" encoding="utf-8"?>
+<p:notesMaster xmlns:a="http://schemas.openxmlformats.org/drawingml/2006/main" xmlns:r="http://schemas.openxmlformats.org/officeDocument/2006/relationships" xmlns:p="http://schemas.openxmlformats.org/presentationml/2006/main">
+  <p:cSld>
+    <p:bg>
+      <p:bgRef idx="1001">
+        <a:schemeClr val="bg1"/>
+      </p:bgRef>
+    </p:bg>
+    <p:spTree>
+      <p:nvGrpSpPr>
+        <p:cNvPr id="1" name=""/>
+        <p:cNvGrpSpPr/>
+        <p:nvPr/>
+      </p:nvGrpSpPr>
+      <p:grpSpPr>
+        <a:xfrm>
+          <a:off x="0" y="0"/>
+          <a:ext cx="0" cy="0"/>
+          <a:chOff x="0" y="0"/>
+          <a:chExt cx="0" cy="0"/>
+        </a:xfrm>
+      </p:grpSpPr>
+      <p:sp>
+        <p:nvSpPr>
+          <p:cNvPr id="2" name="Header Placeholder 1"/>
+          <p:cNvSpPr>
+            <a:spLocks noGrp="1"/>
+          </p:cNvSpPr>
+          <p:nvPr>
+            <p:ph type="hdr" sz="quarter"/>
+          </p:nvPr>
+        </p:nvSpPr>
+        <p:spPr>
+          <a:xfrm>
+            <a:off x="0" y="0"/>
+            <a:ext cx="2971800" cy="458788"/>
+          </a:xfrm>
+          <a:prstGeom prst="rect">
+            <a:avLst/>
+          </a:prstGeom>
+        </p:spPr>
+        <p:txBody>
+          <a:bodyPr vert="horz" lIns="91440" tIns="45720" rIns="91440" bIns="45720" rtlCol="0"/>
+          <a:lstStyle>
+            <a:lvl1pPr algn="l">
+              <a:defRPr sz="1200"/>
+            </a:lvl1pPr>
+          </a:lstStyle>
+          <a:p>
+            <a:endParaRPr lang="en-US"/>
+          </a:p>
+        </p:txBody>
+      </p:sp>
+      <p:sp>
+        <p:nvSpPr>
+          <p:cNvPr id="3" name="Date Placeholder 2"/>
+          <p:cNvSpPr>
+            <a:spLocks noGrp="1"/>
+          </p:cNvSpPr>
+          <p:nvPr>
+            <p:ph type="dt" idx="1"/>
+          </p:nvPr>
+        </p:nvSpPr>
+        <p:spPr>
+          <a:xfrm>
+            <a:off x="3884613" y="0"/>
+            <a:ext cx="2971800" cy="458788"/>
+          </a:xfrm>
+          <a:prstGeom prst="rect">
+            <a:avLst/>
+          </a:prstGeom>
+        </p:spPr>
+        <p:txBody>
+          <a:bodyPr vert="horz" lIns="91440" tIns="45720" rIns="91440" bIns="45720" rtlCol="0"/>
+          <a:lstStyle>
+            <a:lvl1pPr algn="r">
+              <a:defRPr sz="1200"/>
+            </a:lvl1pPr>
+          </a:lstStyle>
+          <a:p>
+            <a:fld id="{F6572295-05A1-F043-B6B8-B08F0B03F4D4}" type="datetimeFigureOut">
+              <a:rPr lang="en-US" smtClean="0"/>
+              <a:t>9/14/21</a:t>
+            </a:fld>
+            <a:endParaRPr lang="en-US"/>
+          </a:p>
+        </p:txBody>
+      </p:sp>
+      <p:sp>
+        <p:nvSpPr>
+          <p:cNvPr id="4" name="Slide Image Placeholder 3"/>
+          <p:cNvSpPr>
+            <a:spLocks noGrp="1" noRot="1" noChangeAspect="1"/>
+          </p:cNvSpPr>
+          <p:nvPr>
+            <p:ph type="sldImg" idx="2"/>
+          </p:nvPr>
+        </p:nvSpPr>
+        <p:spPr>
+          <a:xfrm>
+            <a:off x="685800" y="1143000"/>
+            <a:ext cx="5486400" cy="3086100"/>
+          </a:xfrm>
+          <a:prstGeom prst="rect">
+            <a:avLst/>
+          </a:prstGeom>
+          <a:noFill/>
+          <a:ln w="12700">
+            <a:solidFill>
+              <a:prstClr val="black"/>
+            </a:solidFill>
+          </a:ln>
+        </p:spPr>
+        <p:txBody>
+          <a:bodyPr vert="horz" lIns="91440" tIns="45720" rIns="91440" bIns="45720" rtlCol="0" anchor="ctr"/>
+          <a:lstStyle/>
+          <a:p>
+            <a:endParaRPr lang="en-US"/>
+          </a:p>
+        </p:txBody>
+      </p:sp>
+      <p:sp>
+        <p:nvSpPr>
+          <p:cNvPr id="5" name="Notes Placeholder 4"/>
+          <p:cNvSpPr>
+            <a:spLocks noGrp="1"/>
+          </p:cNvSpPr>
+          <p:nvPr>
+            <p:ph type="body" sz="quarter" idx="3"/>
+          </p:nvPr>
+        </p:nvSpPr>
+        <p:spPr>
+          <a:xfrm>
+            <a:off x="685800" y="4400550"/>
+            <a:ext cx="5486400" cy="3600450"/>
+          </a:xfrm>
+          <a:prstGeom prst="rect">
+            <a:avLst/>
+          </a:prstGeom>
+        </p:spPr>
+        <p:txBody>
+          <a:bodyPr vert="horz" lIns="91440" tIns="45720" rIns="91440" bIns="45720" rtlCol="0"/>
+          <a:lstStyle/>
+          <a:p>
+            <a:pPr lvl="0"/>
+            <a:r>
+              <a:rPr lang="en-US"/>
+              <a:t>Click to edit Master text styles</a:t>
+            </a:r>
+          </a:p>
+          <a:p>
+            <a:pPr lvl="1"/>
+            <a:r>
+              <a:rPr lang="en-US"/>
+              <a:t>Second level</a:t>
+            </a:r>
+          </a:p>
+          <a:p>
+            <a:pPr lvl="2"/>
+            <a:r>
+              <a:rPr lang="en-US"/>
+              <a:t>Third level</a:t>
+            </a:r>
+          </a:p>
+          <a:p>
+            <a:pPr lvl="3"/>
+            <a:r>
+              <a:rPr lang="en-US"/>
+              <a:t>Fourth level</a:t>
+            </a:r>
+          </a:p>
+          <a:p>
+            <a:pPr lvl="4"/>
+            <a:r>
+              <a:rPr lang="en-US"/>
+              <a:t>Fifth level</a:t>
+            </a:r>
+          </a:p>
+        </p:txBody>
+      </p:sp>
+      <p:sp>
+        <p:nvSpPr>
+          <p:cNvPr id="6" name="Footer Placeholder 5"/>
+          <p:cNvSpPr>
+            <a:spLocks noGrp="1"/>
+          </p:cNvSpPr>
+          <p:nvPr>
+            <p:ph type="ftr" sz="quarter" idx="4"/>
+          </p:nvPr>
+        </p:nvSpPr>
+        <p:spPr>
+          <a:xfrm>
+            <a:off x="0" y="8685213"/>
+            <a:ext cx="2971800" cy="458787"/>
+          </a:xfrm>
+          <a:prstGeom prst="rect">
+            <a:avLst/>
+          </a:prstGeom>
+        </p:spPr>
+        <p:txBody>
+          <a:bodyPr vert="horz" lIns="91440" tIns="45720" rIns="91440" bIns="45720" rtlCol="0" anchor="b"/>
+          <a:lstStyle>
+            <a:lvl1pPr algn="l">
+              <a:defRPr sz="1200"/>
+            </a:lvl1pPr>
+          </a:lstStyle>
+          <a:p>
+            <a:endParaRPr lang="en-US"/>
+          </a:p>
+        </p:txBody>
+      </p:sp>
+      <p:sp>
+        <p:nvSpPr>
+          <p:cNvPr id="7" name="Slide Number Placeholder 6"/>
+          <p:cNvSpPr>
+            <a:spLocks noGrp="1"/>
+          </p:cNvSpPr>
+          <p:nvPr>
+            <p:ph type="sldNum" sz="quarter" idx="5"/>
+          </p:nvPr>
+        </p:nvSpPr>
+        <p:spPr>
+          <a:xfrm>
+            <a:off x="3884613" y="8685213"/>
+            <a:ext cx="2971800" cy="458787"/>
+          </a:xfrm>
+          <a:prstGeom prst="rect">
+            <a:avLst/>
+          </a:prstGeom>
+        </p:spPr>
+        <p:txBody>
+          <a:bodyPr vert="horz" lIns="91440" tIns="45720" rIns="91440" bIns="45720" rtlCol="0" anchor="b"/>
+          <a:lstStyle>
+            <a:lvl1pPr algn="r">
+              <a:defRPr sz="1200"/>
+            </a:lvl1pPr>
+          </a:lstStyle>
+          <a:p>
+            <a:fld id="{3EB477B7-2852-A842-A7FD-DA8416624D05}" type="slidenum">
+              <a:rPr lang="en-US" smtClean="0"/>
+              <a:t>‹#›</a:t>
+            </a:fld>
+            <a:endParaRPr lang="en-US"/>
+          </a:p>
+        </p:txBody>
+      </p:sp>
+    </p:spTree>
+    <p:extLst>
+      <p:ext uri="{BB962C8B-B14F-4D97-AF65-F5344CB8AC3E}">
+        <p14:creationId xmlns:p14="http://schemas.microsoft.com/office/powerpoint/2010/main" val="1341998252"/>
+      </p:ext>
+    </p:extLst>
+  </p:cSld>
+  <p:clrMap bg1="lt1" tx1="dk1" bg2="lt2" tx2="dk2" accent1="accent1" accent2="accent2" accent3="accent3" accent4="accent4" accent5="accent5" accent6="accent6" hlink="hlink" folHlink="folHlink"/>
+  <p:notesStyle>
+    <a:lvl1pPr marL="0" algn="l" defTabSz="914400" rtl="0" eaLnBrk="1" latinLnBrk="0" hangingPunct="1">
+      <a:defRPr sz="1200" kern="1200">
+        <a:solidFill>
+          <a:schemeClr val="tx1"/>
+        </a:solidFill>
+        <a:latin typeface="+mn-lt"/>
+        <a:ea typeface="+mn-ea"/>
+        <a:cs typeface="+mn-cs"/>
+      </a:defRPr>
+    </a:lvl1pPr>
+    <a:lvl2pPr marL="457200" algn="l" defTabSz="914400" rtl="0" eaLnBrk="1" latinLnBrk="0" hangingPunct="1">
+      <a:defRPr sz="1200" kern="1200">
+        <a:solidFill>
+          <a:schemeClr val="tx1"/>
+        </a:solidFill>
+        <a:latin typeface="+mn-lt"/>
+        <a:ea typeface="+mn-ea"/>
+        <a:cs typeface="+mn-cs"/>
+      </a:defRPr>
+    </a:lvl2pPr>
+    <a:lvl3pPr marL="914400" algn="l" defTabSz="914400" rtl="0" eaLnBrk="1" latinLnBrk="0" hangingPunct="1">
+      <a:defRPr sz="1200" kern="1200">
+        <a:solidFill>
+          <a:schemeClr val="tx1"/>
+        </a:solidFill>
+        <a:latin typeface="+mn-lt"/>
+        <a:ea typeface="+mn-ea"/>
+        <a:cs typeface="+mn-cs"/>
+      </a:defRPr>
+    </a:lvl3pPr>
+    <a:lvl4pPr marL="1371600" algn="l" defTabSz="914400" rtl="0" eaLnBrk="1" latinLnBrk="0" hangingPunct="1">
+      <a:defRPr sz="1200" kern="1200">
+        <a:solidFill>
+          <a:schemeClr val="tx1"/>
+        </a:solidFill>
+        <a:latin typeface="+mn-lt"/>
+        <a:ea typeface="+mn-ea"/>
+        <a:cs typeface="+mn-cs"/>
+      </a:defRPr>
+    </a:lvl4pPr>
+    <a:lvl5pPr marL="1828800" algn="l" defTabSz="914400" rtl="0" eaLnBrk="1" latinLnBrk="0" hangingPunct="1">
+      <a:defRPr sz="1200" kern="1200">
+        <a:solidFill>
+          <a:schemeClr val="tx1"/>
+        </a:solidFill>
+        <a:latin typeface="+mn-lt"/>
+        <a:ea typeface="+mn-ea"/>
+        <a:cs typeface="+mn-cs"/>
+      </a:defRPr>
+    </a:lvl5pPr>
+    <a:lvl6pPr marL="2286000" algn="l" defTabSz="914400" rtl="0" eaLnBrk="1" latinLnBrk="0" hangingPunct="1">
+      <a:defRPr sz="1200" kern="1200">
+        <a:solidFill>
+          <a:schemeClr val="tx1"/>
+        </a:solidFill>
+        <a:latin typeface="+mn-lt"/>
+        <a:ea typeface="+mn-ea"/>
+        <a:cs typeface="+mn-cs"/>
+      </a:defRPr>
+    </a:lvl6pPr>
+    <a:lvl7pPr marL="2743200" algn="l" defTabSz="914400" rtl="0" eaLnBrk="1" latinLnBrk="0" hangingPunct="1">
+      <a:defRPr sz="1200" kern="1200">
+        <a:solidFill>
+          <a:schemeClr val="tx1"/>
+        </a:solidFill>
+        <a:latin typeface="+mn-lt"/>
+        <a:ea typeface="+mn-ea"/>
+        <a:cs typeface="+mn-cs"/>
+      </a:defRPr>
+    </a:lvl7pPr>
+    <a:lvl8pPr marL="3200400" algn="l" defTabSz="914400" rtl="0" eaLnBrk="1" latinLnBrk="0" hangingPunct="1">
+      <a:defRPr sz="1200" kern="1200">
+        <a:solidFill>
+          <a:schemeClr val="tx1"/>
+        </a:solidFill>
+        <a:latin typeface="+mn-lt"/>
+        <a:ea typeface="+mn-ea"/>
+        <a:cs typeface="+mn-cs"/>
+      </a:defRPr>
+    </a:lvl8pPr>
+    <a:lvl9pPr marL="3657600" algn="l" defTabSz="914400" rtl="0" eaLnBrk="1" latinLnBrk="0" hangingPunct="1">
+      <a:defRPr sz="1200" kern="1200">
+        <a:solidFill>
+          <a:schemeClr val="tx1"/>
+        </a:solidFill>
+        <a:latin typeface="+mn-lt"/>
+        <a:ea typeface="+mn-ea"/>
+        <a:cs typeface="+mn-cs"/>
+      </a:defRPr>
+    </a:lvl9pPr>
+  </p:notesStyle>
+</p:notesMaster>
+</file>
+
+<file path=ppt/notesSlides/notesSlide1.xml><?xml version="1.0" encoding="utf-8"?>
+<p:notes xmlns:a="http://schemas.openxmlformats.org/drawingml/2006/main" xmlns:r="http://schemas.openxmlformats.org/officeDocument/2006/relationships" xmlns:p="http://schemas.openxmlformats.org/presentationml/2006/main">
+  <p:cSld>
+    <p:spTree>
+      <p:nvGrpSpPr>
+        <p:cNvPr id="1" name=""/>
+        <p:cNvGrpSpPr/>
+        <p:nvPr/>
+      </p:nvGrpSpPr>
+      <p:grpSpPr>
+        <a:xfrm>
+          <a:off x="0" y="0"/>
+          <a:ext cx="0" cy="0"/>
+          <a:chOff x="0" y="0"/>
+          <a:chExt cx="0" cy="0"/>
+        </a:xfrm>
+      </p:grpSpPr>
+      <p:sp>
+        <p:nvSpPr>
+          <p:cNvPr id="2" name="Slide Image Placeholder 1"/>
+          <p:cNvSpPr>
+            <a:spLocks noGrp="1" noRot="1" noChangeAspect="1"/>
+          </p:cNvSpPr>
+          <p:nvPr>
+            <p:ph type="sldImg"/>
+          </p:nvPr>
+        </p:nvSpPr>
+        <p:spPr/>
+      </p:sp>
+      <p:sp>
+        <p:nvSpPr>
+          <p:cNvPr id="3" name="Notes Placeholder 2"/>
+          <p:cNvSpPr>
+            <a:spLocks noGrp="1"/>
+          </p:cNvSpPr>
+          <p:nvPr>
+            <p:ph type="body" idx="1"/>
+          </p:nvPr>
+        </p:nvSpPr>
+        <p:spPr/>
+        <p:txBody>
+          <a:bodyPr/>
+          <a:lstStyle/>
+          <a:p>
+            <a:endParaRPr lang="en-US" dirty="0"/>
+          </a:p>
+        </p:txBody>
+      </p:sp>
+      <p:sp>
+        <p:nvSpPr>
+          <p:cNvPr id="4" name="Slide Number Placeholder 3"/>
+          <p:cNvSpPr>
+            <a:spLocks noGrp="1"/>
+          </p:cNvSpPr>
+          <p:nvPr>
+            <p:ph type="sldNum" sz="quarter" idx="5"/>
+          </p:nvPr>
+        </p:nvSpPr>
+        <p:spPr/>
+        <p:txBody>
+          <a:bodyPr/>
+          <a:lstStyle/>
+          <a:p>
+            <a:fld id="{3EB477B7-2852-A842-A7FD-DA8416624D05}" type="slidenum">
+              <a:rPr lang="en-US" smtClean="0"/>
+              <a:t>6</a:t>
+            </a:fld>
+            <a:endParaRPr lang="en-US"/>
+          </a:p>
+        </p:txBody>
+      </p:sp>
+    </p:spTree>
+    <p:extLst>
+      <p:ext uri="{BB962C8B-B14F-4D97-AF65-F5344CB8AC3E}">
+        <p14:creationId xmlns:p14="http://schemas.microsoft.com/office/powerpoint/2010/main" val="3849228116"/>
+      </p:ext>
+    </p:extLst>
+  </p:cSld>
+  <p:clrMapOvr>
+    <a:masterClrMapping/>
+  </p:clrMapOvr>
+</p:notes>
 </file>
 
 <file path=ppt/slideLayouts/slideLayout1.xml><?xml version="1.0" encoding="utf-8"?>
@@ -255,7 +700,7 @@
           <a:p>
             <a:fld id="{8AD827A1-FDF4-4F44-8120-4A829A783B23}" type="datetimeFigureOut">
               <a:rPr lang="en-US" smtClean="0"/>
-              <a:t>7/9/21</a:t>
+              <a:t>9/14/21</a:t>
             </a:fld>
             <a:endParaRPr lang="en-US"/>
           </a:p>
@@ -453,7 +898,7 @@
           <a:p>
             <a:fld id="{8AD827A1-FDF4-4F44-8120-4A829A783B23}" type="datetimeFigureOut">
               <a:rPr lang="en-US" smtClean="0"/>
-              <a:t>7/9/21</a:t>
+              <a:t>9/14/21</a:t>
             </a:fld>
             <a:endParaRPr lang="en-US"/>
           </a:p>
@@ -661,7 +1106,7 @@
           <a:p>
             <a:fld id="{8AD827A1-FDF4-4F44-8120-4A829A783B23}" type="datetimeFigureOut">
               <a:rPr lang="en-US" smtClean="0"/>
-              <a:t>7/9/21</a:t>
+              <a:t>9/14/21</a:t>
             </a:fld>
             <a:endParaRPr lang="en-US"/>
           </a:p>
@@ -859,7 +1304,7 @@
           <a:p>
             <a:fld id="{8AD827A1-FDF4-4F44-8120-4A829A783B23}" type="datetimeFigureOut">
               <a:rPr lang="en-US" smtClean="0"/>
-              <a:t>7/9/21</a:t>
+              <a:t>9/14/21</a:t>
             </a:fld>
             <a:endParaRPr lang="en-US"/>
           </a:p>
@@ -1134,7 +1579,7 @@
           <a:p>
             <a:fld id="{8AD827A1-FDF4-4F44-8120-4A829A783B23}" type="datetimeFigureOut">
               <a:rPr lang="en-US" smtClean="0"/>
-              <a:t>7/9/21</a:t>
+              <a:t>9/14/21</a:t>
             </a:fld>
             <a:endParaRPr lang="en-US"/>
           </a:p>
@@ -1399,7 +1844,7 @@
           <a:p>
             <a:fld id="{8AD827A1-FDF4-4F44-8120-4A829A783B23}" type="datetimeFigureOut">
               <a:rPr lang="en-US" smtClean="0"/>
-              <a:t>7/9/21</a:t>
+              <a:t>9/14/21</a:t>
             </a:fld>
             <a:endParaRPr lang="en-US"/>
           </a:p>
@@ -1811,7 +2256,7 @@
           <a:p>
             <a:fld id="{8AD827A1-FDF4-4F44-8120-4A829A783B23}" type="datetimeFigureOut">
               <a:rPr lang="en-US" smtClean="0"/>
-              <a:t>7/9/21</a:t>
+              <a:t>9/14/21</a:t>
             </a:fld>
             <a:endParaRPr lang="en-US"/>
           </a:p>
@@ -1952,7 +2397,7 @@
           <a:p>
             <a:fld id="{8AD827A1-FDF4-4F44-8120-4A829A783B23}" type="datetimeFigureOut">
               <a:rPr lang="en-US" smtClean="0"/>
-              <a:t>7/9/21</a:t>
+              <a:t>9/14/21</a:t>
             </a:fld>
             <a:endParaRPr lang="en-US"/>
           </a:p>
@@ -2065,7 +2510,7 @@
           <a:p>
             <a:fld id="{8AD827A1-FDF4-4F44-8120-4A829A783B23}" type="datetimeFigureOut">
               <a:rPr lang="en-US" smtClean="0"/>
-              <a:t>7/9/21</a:t>
+              <a:t>9/14/21</a:t>
             </a:fld>
             <a:endParaRPr lang="en-US"/>
           </a:p>
@@ -2376,7 +2821,7 @@
           <a:p>
             <a:fld id="{8AD827A1-FDF4-4F44-8120-4A829A783B23}" type="datetimeFigureOut">
               <a:rPr lang="en-US" smtClean="0"/>
-              <a:t>7/9/21</a:t>
+              <a:t>9/14/21</a:t>
             </a:fld>
             <a:endParaRPr lang="en-US"/>
           </a:p>
@@ -2664,7 +3109,7 @@
           <a:p>
             <a:fld id="{8AD827A1-FDF4-4F44-8120-4A829A783B23}" type="datetimeFigureOut">
               <a:rPr lang="en-US" smtClean="0"/>
-              <a:t>7/9/21</a:t>
+              <a:t>9/14/21</a:t>
             </a:fld>
             <a:endParaRPr lang="en-US"/>
           </a:p>
@@ -2905,7 +3350,7 @@
           <a:p>
             <a:fld id="{8AD827A1-FDF4-4F44-8120-4A829A783B23}" type="datetimeFigureOut">
               <a:rPr lang="en-US" smtClean="0"/>
-              <a:t>7/9/21</a:t>
+              <a:t>9/14/21</a:t>
             </a:fld>
             <a:endParaRPr lang="en-US"/>
           </a:p>
@@ -3692,10 +4137,10 @@
       </p:grpSpPr>
       <p:sp>
         <p:nvSpPr>
-          <p:cNvPr id="4" name="Triangle 3">
-            <a:extLst>
-              <a:ext uri="{FF2B5EF4-FFF2-40B4-BE49-F238E27FC236}">
-                <a16:creationId xmlns:a16="http://schemas.microsoft.com/office/drawing/2014/main" id="{26531AB9-13FD-774D-A28F-AE7F91022F7F}"/>
+          <p:cNvPr id="2" name="Oval 1">
+            <a:extLst>
+              <a:ext uri="{FF2B5EF4-FFF2-40B4-BE49-F238E27FC236}">
+                <a16:creationId xmlns:a16="http://schemas.microsoft.com/office/drawing/2014/main" id="{ABC1EE76-BD9D-B348-9176-39329023E5DA}"/>
               </a:ext>
             </a:extLst>
           </p:cNvPr>
@@ -3703,32 +4148,19 @@
           <p:nvPr/>
         </p:nvSpPr>
         <p:spPr>
-          <a:xfrm rot="5400000">
-            <a:off x="2934865" y="3123472"/>
-            <a:ext cx="1289958" cy="919843"/>
+          <a:xfrm>
+            <a:off x="3962399" y="1259294"/>
+            <a:ext cx="3429000" cy="3429000"/>
           </a:xfrm>
-          <a:prstGeom prst="triangle">
+          <a:prstGeom prst="ellipse">
             <a:avLst/>
           </a:prstGeom>
-          <a:gradFill flip="none" rotWithShape="1">
-            <a:gsLst>
-              <a:gs pos="0">
-                <a:srgbClr val="FF0000"/>
-              </a:gs>
-              <a:gs pos="50000">
-                <a:srgbClr val="C00000"/>
-              </a:gs>
-              <a:gs pos="100000">
-                <a:srgbClr val="471510"/>
-              </a:gs>
-            </a:gsLst>
-            <a:lin ang="5400000" scaled="1"/>
-            <a:tileRect/>
-          </a:gradFill>
-          <a:ln>
-            <a:noFill/>
+          <a:noFill/>
+          <a:ln w="57150">
+            <a:solidFill>
+              <a:srgbClr val="880907"/>
+            </a:solidFill>
           </a:ln>
-          <a:effectLst/>
         </p:spPr>
         <p:style>
           <a:lnRef idx="2">
@@ -3755,75 +4187,1292 @@
           </a:p>
         </p:txBody>
       </p:sp>
-      <p:sp>
-        <p:nvSpPr>
-          <p:cNvPr id="5" name="Triangle 4">
-            <a:extLst>
-              <a:ext uri="{FF2B5EF4-FFF2-40B4-BE49-F238E27FC236}">
-                <a16:creationId xmlns:a16="http://schemas.microsoft.com/office/drawing/2014/main" id="{18197E6B-C423-0349-8D14-85B3438D867A}"/>
-              </a:ext>
-            </a:extLst>
-          </p:cNvPr>
-          <p:cNvSpPr/>
+      <p:grpSp>
+        <p:nvGrpSpPr>
+          <p:cNvPr id="3" name="Group 2">
+            <a:extLst>
+              <a:ext uri="{FF2B5EF4-FFF2-40B4-BE49-F238E27FC236}">
+                <a16:creationId xmlns:a16="http://schemas.microsoft.com/office/drawing/2014/main" id="{754A1DB1-230D-0C4F-BF53-31653DEF06A3}"/>
+              </a:ext>
+            </a:extLst>
+          </p:cNvPr>
+          <p:cNvGrpSpPr/>
           <p:nvPr/>
-        </p:nvSpPr>
-        <p:spPr>
-          <a:xfrm rot="5400000">
-            <a:off x="3854708" y="3123472"/>
-            <a:ext cx="1289958" cy="919843"/>
+        </p:nvGrpSpPr>
+        <p:grpSpPr>
+          <a:xfrm>
+            <a:off x="4731006" y="2162445"/>
+            <a:ext cx="2246735" cy="1622698"/>
+            <a:chOff x="4850751" y="2328816"/>
+            <a:chExt cx="1839686" cy="1289958"/>
           </a:xfrm>
-          <a:prstGeom prst="triangle">
-            <a:avLst/>
-          </a:prstGeom>
-          <a:gradFill flip="none" rotWithShape="1">
-            <a:gsLst>
-              <a:gs pos="0">
-                <a:srgbClr val="FF0000"/>
-              </a:gs>
-              <a:gs pos="50000">
-                <a:srgbClr val="C00000"/>
-              </a:gs>
-              <a:gs pos="100000">
-                <a:srgbClr val="471510"/>
-              </a:gs>
-            </a:gsLst>
-            <a:lin ang="5400000" scaled="1"/>
-            <a:tileRect/>
-          </a:gradFill>
-          <a:ln>
-            <a:noFill/>
-          </a:ln>
-          <a:effectLst/>
-        </p:spPr>
-        <p:style>
-          <a:lnRef idx="2">
-            <a:schemeClr val="accent1">
-              <a:shade val="50000"/>
-            </a:schemeClr>
-          </a:lnRef>
-          <a:fillRef idx="1">
-            <a:schemeClr val="accent1"/>
-          </a:fillRef>
-          <a:effectRef idx="0">
-            <a:schemeClr val="accent1"/>
-          </a:effectRef>
-          <a:fontRef idx="minor">
-            <a:schemeClr val="lt1"/>
-          </a:fontRef>
-        </p:style>
-        <p:txBody>
-          <a:bodyPr rtlCol="0" anchor="ctr"/>
-          <a:lstStyle/>
-          <a:p>
-            <a:pPr algn="ctr"/>
-            <a:endParaRPr lang="en-US" dirty="0"/>
-          </a:p>
-        </p:txBody>
-      </p:sp>
+        </p:grpSpPr>
+        <p:sp>
+          <p:nvSpPr>
+            <p:cNvPr id="4" name="Triangle 3">
+              <a:extLst>
+                <a:ext uri="{FF2B5EF4-FFF2-40B4-BE49-F238E27FC236}">
+                  <a16:creationId xmlns:a16="http://schemas.microsoft.com/office/drawing/2014/main" id="{26531AB9-13FD-774D-A28F-AE7F91022F7F}"/>
+                </a:ext>
+              </a:extLst>
+            </p:cNvPr>
+            <p:cNvSpPr/>
+            <p:nvPr/>
+          </p:nvSpPr>
+          <p:spPr>
+            <a:xfrm rot="5400000">
+              <a:off x="4665694" y="2513873"/>
+              <a:ext cx="1289958" cy="919843"/>
+            </a:xfrm>
+            <a:prstGeom prst="triangle">
+              <a:avLst/>
+            </a:prstGeom>
+            <a:gradFill flip="none" rotWithShape="1">
+              <a:gsLst>
+                <a:gs pos="0">
+                  <a:srgbClr val="FF0000"/>
+                </a:gs>
+                <a:gs pos="50000">
+                  <a:srgbClr val="C00000"/>
+                </a:gs>
+                <a:gs pos="100000">
+                  <a:srgbClr val="471510"/>
+                </a:gs>
+              </a:gsLst>
+              <a:lin ang="5400000" scaled="1"/>
+              <a:tileRect/>
+            </a:gradFill>
+            <a:ln>
+              <a:noFill/>
+            </a:ln>
+            <a:effectLst/>
+          </p:spPr>
+          <p:style>
+            <a:lnRef idx="2">
+              <a:schemeClr val="accent1">
+                <a:shade val="50000"/>
+              </a:schemeClr>
+            </a:lnRef>
+            <a:fillRef idx="1">
+              <a:schemeClr val="accent1"/>
+            </a:fillRef>
+            <a:effectRef idx="0">
+              <a:schemeClr val="accent1"/>
+            </a:effectRef>
+            <a:fontRef idx="minor">
+              <a:schemeClr val="lt1"/>
+            </a:fontRef>
+          </p:style>
+          <p:txBody>
+            <a:bodyPr rtlCol="0" anchor="ctr"/>
+            <a:lstStyle/>
+            <a:p>
+              <a:pPr algn="ctr"/>
+              <a:endParaRPr lang="en-US" dirty="0"/>
+            </a:p>
+          </p:txBody>
+        </p:sp>
+        <p:sp>
+          <p:nvSpPr>
+            <p:cNvPr id="5" name="Triangle 4">
+              <a:extLst>
+                <a:ext uri="{FF2B5EF4-FFF2-40B4-BE49-F238E27FC236}">
+                  <a16:creationId xmlns:a16="http://schemas.microsoft.com/office/drawing/2014/main" id="{18197E6B-C423-0349-8D14-85B3438D867A}"/>
+                </a:ext>
+              </a:extLst>
+            </p:cNvPr>
+            <p:cNvSpPr/>
+            <p:nvPr/>
+          </p:nvSpPr>
+          <p:spPr>
+            <a:xfrm rot="5400000">
+              <a:off x="5585537" y="2513873"/>
+              <a:ext cx="1289958" cy="919843"/>
+            </a:xfrm>
+            <a:prstGeom prst="triangle">
+              <a:avLst/>
+            </a:prstGeom>
+            <a:gradFill flip="none" rotWithShape="1">
+              <a:gsLst>
+                <a:gs pos="0">
+                  <a:srgbClr val="FF0000"/>
+                </a:gs>
+                <a:gs pos="50000">
+                  <a:srgbClr val="C00000"/>
+                </a:gs>
+                <a:gs pos="100000">
+                  <a:srgbClr val="471510"/>
+                </a:gs>
+              </a:gsLst>
+              <a:lin ang="5400000" scaled="1"/>
+              <a:tileRect/>
+            </a:gradFill>
+            <a:ln>
+              <a:noFill/>
+            </a:ln>
+            <a:effectLst/>
+          </p:spPr>
+          <p:style>
+            <a:lnRef idx="2">
+              <a:schemeClr val="accent1">
+                <a:shade val="50000"/>
+              </a:schemeClr>
+            </a:lnRef>
+            <a:fillRef idx="1">
+              <a:schemeClr val="accent1"/>
+            </a:fillRef>
+            <a:effectRef idx="0">
+              <a:schemeClr val="accent1"/>
+            </a:effectRef>
+            <a:fontRef idx="minor">
+              <a:schemeClr val="lt1"/>
+            </a:fontRef>
+          </p:style>
+          <p:txBody>
+            <a:bodyPr rtlCol="0" anchor="ctr"/>
+            <a:lstStyle/>
+            <a:p>
+              <a:pPr algn="ctr"/>
+              <a:endParaRPr lang="en-US" dirty="0"/>
+            </a:p>
+          </p:txBody>
+        </p:sp>
+      </p:grpSp>
     </p:spTree>
     <p:extLst>
       <p:ext uri="{BB962C8B-B14F-4D97-AF65-F5344CB8AC3E}">
         <p14:creationId xmlns:p14="http://schemas.microsoft.com/office/powerpoint/2010/main" val="2748548966"/>
+      </p:ext>
+    </p:extLst>
+  </p:cSld>
+  <p:clrMapOvr>
+    <a:masterClrMapping/>
+  </p:clrMapOvr>
+</p:sld>
+</file>
+
+<file path=ppt/slides/slide3.xml><?xml version="1.0" encoding="utf-8"?>
+<p:sld xmlns:a="http://schemas.openxmlformats.org/drawingml/2006/main" xmlns:r="http://schemas.openxmlformats.org/officeDocument/2006/relationships" xmlns:p="http://schemas.openxmlformats.org/presentationml/2006/main">
+  <p:cSld>
+    <p:spTree>
+      <p:nvGrpSpPr>
+        <p:cNvPr id="1" name=""/>
+        <p:cNvGrpSpPr/>
+        <p:nvPr/>
+      </p:nvGrpSpPr>
+      <p:grpSpPr>
+        <a:xfrm>
+          <a:off x="0" y="0"/>
+          <a:ext cx="0" cy="0"/>
+          <a:chOff x="0" y="0"/>
+          <a:chExt cx="0" cy="0"/>
+        </a:xfrm>
+      </p:grpSpPr>
+      <p:grpSp>
+        <p:nvGrpSpPr>
+          <p:cNvPr id="7" name="Group 6">
+            <a:extLst>
+              <a:ext uri="{FF2B5EF4-FFF2-40B4-BE49-F238E27FC236}">
+                <a16:creationId xmlns:a16="http://schemas.microsoft.com/office/drawing/2014/main" id="{56D19C84-B2EA-AF43-97FB-88583E7D533C}"/>
+              </a:ext>
+            </a:extLst>
+          </p:cNvPr>
+          <p:cNvGrpSpPr/>
+          <p:nvPr/>
+        </p:nvGrpSpPr>
+        <p:grpSpPr>
+          <a:xfrm>
+            <a:off x="1035732" y="364958"/>
+            <a:ext cx="9812170" cy="6128084"/>
+            <a:chOff x="1035732" y="364958"/>
+            <a:chExt cx="9812170" cy="6128084"/>
+          </a:xfrm>
+        </p:grpSpPr>
+        <p:pic>
+          <p:nvPicPr>
+            <p:cNvPr id="10" name="Picture 2">
+              <a:extLst>
+                <a:ext uri="{FF2B5EF4-FFF2-40B4-BE49-F238E27FC236}">
+                  <a16:creationId xmlns:a16="http://schemas.microsoft.com/office/drawing/2014/main" id="{FC88FF3C-4796-4E40-8D7F-218292F6A521}"/>
+                </a:ext>
+              </a:extLst>
+            </p:cNvPr>
+            <p:cNvPicPr>
+              <a:picLocks noChangeAspect="1" noChangeArrowheads="1"/>
+            </p:cNvPicPr>
+            <p:nvPr/>
+          </p:nvPicPr>
+          <p:blipFill rotWithShape="1">
+            <a:blip r:embed="rId2">
+              <a:duotone>
+                <a:prstClr val="black"/>
+                <a:srgbClr val="FF0000">
+                  <a:tint val="45000"/>
+                  <a:satMod val="400000"/>
+                </a:srgbClr>
+              </a:duotone>
+              <a:extLst>
+                <a:ext uri="{28A0092B-C50C-407E-A947-70E740481C1C}">
+                  <a14:useLocalDpi xmlns:a14="http://schemas.microsoft.com/office/drawing/2010/main" val="0"/>
+                </a:ext>
+              </a:extLst>
+            </a:blip>
+            <a:srcRect r="916" b="10643"/>
+            <a:stretch/>
+          </p:blipFill>
+          <p:spPr bwMode="auto">
+            <a:xfrm>
+              <a:off x="1035732" y="364958"/>
+              <a:ext cx="9812170" cy="6128084"/>
+            </a:xfrm>
+            <a:prstGeom prst="rect">
+              <a:avLst/>
+            </a:prstGeom>
+            <a:noFill/>
+            <a:extLst>
+              <a:ext uri="{909E8E84-426E-40DD-AFC4-6F175D3DCCD1}">
+                <a14:hiddenFill xmlns:a14="http://schemas.microsoft.com/office/drawing/2010/main">
+                  <a:solidFill>
+                    <a:srgbClr val="FFFFFF"/>
+                  </a:solidFill>
+                </a14:hiddenFill>
+              </a:ext>
+            </a:extLst>
+          </p:spPr>
+        </p:pic>
+        <p:sp>
+          <p:nvSpPr>
+            <p:cNvPr id="14" name="Rectangle 13">
+              <a:extLst>
+                <a:ext uri="{FF2B5EF4-FFF2-40B4-BE49-F238E27FC236}">
+                  <a16:creationId xmlns:a16="http://schemas.microsoft.com/office/drawing/2014/main" id="{7355108C-421C-4849-8327-C8FD8A1DEC5B}"/>
+                </a:ext>
+              </a:extLst>
+            </p:cNvPr>
+            <p:cNvSpPr/>
+            <p:nvPr/>
+          </p:nvSpPr>
+          <p:spPr>
+            <a:xfrm>
+              <a:off x="3379354" y="713853"/>
+              <a:ext cx="5215659" cy="630942"/>
+            </a:xfrm>
+            <a:prstGeom prst="rect">
+              <a:avLst/>
+            </a:prstGeom>
+            <a:noFill/>
+          </p:spPr>
+          <p:txBody>
+            <a:bodyPr wrap="none" lIns="91440" tIns="45720" rIns="91440" bIns="45720">
+              <a:spAutoFit/>
+            </a:bodyPr>
+            <a:lstStyle/>
+            <a:p>
+              <a:pPr algn="ctr"/>
+              <a:r>
+                <a:rPr lang="en-US" sz="3500" b="0" cap="none" spc="0" dirty="0">
+                  <a:ln w="0"/>
+                  <a:solidFill>
+                    <a:schemeClr val="bg1"/>
+                  </a:solidFill>
+                  <a:effectLst>
+                    <a:outerShdw blurRad="38100" dist="19050" dir="2700000" algn="tl" rotWithShape="0">
+                      <a:schemeClr val="dk1">
+                        <a:alpha val="40000"/>
+                      </a:schemeClr>
+                    </a:outerShdw>
+                  </a:effectLst>
+                </a:rPr>
+                <a:t>Auto-Click Skip Intro Button</a:t>
+              </a:r>
+            </a:p>
+          </p:txBody>
+        </p:sp>
+        <p:pic>
+          <p:nvPicPr>
+            <p:cNvPr id="2" name="Picture 1">
+              <a:extLst>
+                <a:ext uri="{FF2B5EF4-FFF2-40B4-BE49-F238E27FC236}">
+                  <a16:creationId xmlns:a16="http://schemas.microsoft.com/office/drawing/2014/main" id="{BA38CE35-947E-7E48-AEEC-2A16AE5DF3BE}"/>
+                </a:ext>
+              </a:extLst>
+            </p:cNvPr>
+            <p:cNvPicPr>
+              <a:picLocks noChangeAspect="1"/>
+            </p:cNvPicPr>
+            <p:nvPr/>
+          </p:nvPicPr>
+          <p:blipFill rotWithShape="1">
+            <a:blip r:embed="rId3"/>
+            <a:srcRect t="5924"/>
+            <a:stretch/>
+          </p:blipFill>
+          <p:spPr>
+            <a:xfrm>
+              <a:off x="3007567" y="1816925"/>
+              <a:ext cx="5959217" cy="3772139"/>
+            </a:xfrm>
+            <a:prstGeom prst="rect">
+              <a:avLst/>
+            </a:prstGeom>
+          </p:spPr>
+        </p:pic>
+        <p:pic>
+          <p:nvPicPr>
+            <p:cNvPr id="4" name="Picture 3">
+              <a:extLst>
+                <a:ext uri="{FF2B5EF4-FFF2-40B4-BE49-F238E27FC236}">
+                  <a16:creationId xmlns:a16="http://schemas.microsoft.com/office/drawing/2014/main" id="{97050C7B-B8D7-7E4E-8711-EF344006E75A}"/>
+                </a:ext>
+              </a:extLst>
+            </p:cNvPr>
+            <p:cNvPicPr>
+              <a:picLocks noChangeAspect="1"/>
+            </p:cNvPicPr>
+            <p:nvPr/>
+          </p:nvPicPr>
+          <p:blipFill>
+            <a:blip r:embed="rId4"/>
+            <a:stretch>
+              <a:fillRect/>
+            </a:stretch>
+          </p:blipFill>
+          <p:spPr>
+            <a:xfrm>
+              <a:off x="7897091" y="4651880"/>
+              <a:ext cx="935992" cy="290480"/>
+            </a:xfrm>
+            <a:prstGeom prst="rect">
+              <a:avLst/>
+            </a:prstGeom>
+          </p:spPr>
+        </p:pic>
+        <p:pic>
+          <p:nvPicPr>
+            <p:cNvPr id="2058" name="Picture 10" descr="Hand Click Icon - Free vector graphic on Pixabay">
+              <a:extLst>
+                <a:ext uri="{FF2B5EF4-FFF2-40B4-BE49-F238E27FC236}">
+                  <a16:creationId xmlns:a16="http://schemas.microsoft.com/office/drawing/2014/main" id="{929B2580-7B74-A24F-AE43-FA0B348A14D4}"/>
+                </a:ext>
+              </a:extLst>
+            </p:cNvPr>
+            <p:cNvPicPr>
+              <a:picLocks noChangeAspect="1" noChangeArrowheads="1"/>
+            </p:cNvPicPr>
+            <p:nvPr/>
+          </p:nvPicPr>
+          <p:blipFill>
+            <a:blip r:embed="rId5">
+              <a:extLst>
+                <a:ext uri="{28A0092B-C50C-407E-A947-70E740481C1C}">
+                  <a14:useLocalDpi xmlns:a14="http://schemas.microsoft.com/office/drawing/2010/main" val="0"/>
+                </a:ext>
+              </a:extLst>
+            </a:blip>
+            <a:srcRect/>
+            <a:stretch>
+              <a:fillRect/>
+            </a:stretch>
+          </p:blipFill>
+          <p:spPr bwMode="auto">
+            <a:xfrm>
+              <a:off x="8658294" y="4695167"/>
+              <a:ext cx="616979" cy="937184"/>
+            </a:xfrm>
+            <a:prstGeom prst="rect">
+              <a:avLst/>
+            </a:prstGeom>
+            <a:noFill/>
+            <a:extLst>
+              <a:ext uri="{909E8E84-426E-40DD-AFC4-6F175D3DCCD1}">
+                <a14:hiddenFill xmlns:a14="http://schemas.microsoft.com/office/drawing/2010/main">
+                  <a:solidFill>
+                    <a:srgbClr val="FFFFFF"/>
+                  </a:solidFill>
+                </a14:hiddenFill>
+              </a:ext>
+            </a:extLst>
+          </p:spPr>
+        </p:pic>
+        <p:sp>
+          <p:nvSpPr>
+            <p:cNvPr id="6" name="Rectangle 5">
+              <a:extLst>
+                <a:ext uri="{FF2B5EF4-FFF2-40B4-BE49-F238E27FC236}">
+                  <a16:creationId xmlns:a16="http://schemas.microsoft.com/office/drawing/2014/main" id="{28B0FC5A-C6B4-2E49-A3BC-43B7C0193A96}"/>
+                </a:ext>
+              </a:extLst>
+            </p:cNvPr>
+            <p:cNvSpPr/>
+            <p:nvPr/>
+          </p:nvSpPr>
+          <p:spPr>
+            <a:xfrm>
+              <a:off x="3134032" y="1816925"/>
+              <a:ext cx="81116" cy="45719"/>
+            </a:xfrm>
+            <a:prstGeom prst="rect">
+              <a:avLst/>
+            </a:prstGeom>
+            <a:solidFill>
+              <a:schemeClr val="tx1"/>
+            </a:solidFill>
+            <a:ln>
+              <a:noFill/>
+            </a:ln>
+          </p:spPr>
+          <p:style>
+            <a:lnRef idx="2">
+              <a:schemeClr val="accent1">
+                <a:shade val="50000"/>
+              </a:schemeClr>
+            </a:lnRef>
+            <a:fillRef idx="1">
+              <a:schemeClr val="accent1"/>
+            </a:fillRef>
+            <a:effectRef idx="0">
+              <a:schemeClr val="accent1"/>
+            </a:effectRef>
+            <a:fontRef idx="minor">
+              <a:schemeClr val="lt1"/>
+            </a:fontRef>
+          </p:style>
+          <p:txBody>
+            <a:bodyPr rtlCol="0" anchor="ctr"/>
+            <a:lstStyle/>
+            <a:p>
+              <a:pPr algn="ctr"/>
+              <a:endParaRPr lang="en-US"/>
+            </a:p>
+          </p:txBody>
+        </p:sp>
+      </p:grpSp>
+    </p:spTree>
+    <p:extLst>
+      <p:ext uri="{BB962C8B-B14F-4D97-AF65-F5344CB8AC3E}">
+        <p14:creationId xmlns:p14="http://schemas.microsoft.com/office/powerpoint/2010/main" val="3317796046"/>
+      </p:ext>
+    </p:extLst>
+  </p:cSld>
+  <p:clrMapOvr>
+    <a:masterClrMapping/>
+  </p:clrMapOvr>
+</p:sld>
+</file>
+
+<file path=ppt/slides/slide4.xml><?xml version="1.0" encoding="utf-8"?>
+<p:sld xmlns:a="http://schemas.openxmlformats.org/drawingml/2006/main" xmlns:r="http://schemas.openxmlformats.org/officeDocument/2006/relationships" xmlns:p="http://schemas.openxmlformats.org/presentationml/2006/main">
+  <p:cSld>
+    <p:spTree>
+      <p:nvGrpSpPr>
+        <p:cNvPr id="1" name=""/>
+        <p:cNvGrpSpPr/>
+        <p:nvPr/>
+      </p:nvGrpSpPr>
+      <p:grpSpPr>
+        <a:xfrm>
+          <a:off x="0" y="0"/>
+          <a:ext cx="0" cy="0"/>
+          <a:chOff x="0" y="0"/>
+          <a:chExt cx="0" cy="0"/>
+        </a:xfrm>
+      </p:grpSpPr>
+      <p:pic>
+        <p:nvPicPr>
+          <p:cNvPr id="10" name="Picture 2">
+            <a:extLst>
+              <a:ext uri="{FF2B5EF4-FFF2-40B4-BE49-F238E27FC236}">
+                <a16:creationId xmlns:a16="http://schemas.microsoft.com/office/drawing/2014/main" id="{FC88FF3C-4796-4E40-8D7F-218292F6A521}"/>
+              </a:ext>
+            </a:extLst>
+          </p:cNvPr>
+          <p:cNvPicPr>
+            <a:picLocks noChangeAspect="1" noChangeArrowheads="1"/>
+          </p:cNvPicPr>
+          <p:nvPr/>
+        </p:nvPicPr>
+        <p:blipFill rotWithShape="1">
+          <a:blip r:embed="rId2">
+            <a:duotone>
+              <a:prstClr val="black"/>
+              <a:srgbClr val="FF0000">
+                <a:tint val="45000"/>
+                <a:satMod val="400000"/>
+              </a:srgbClr>
+            </a:duotone>
+            <a:extLst>
+              <a:ext uri="{28A0092B-C50C-407E-A947-70E740481C1C}">
+                <a14:useLocalDpi xmlns:a14="http://schemas.microsoft.com/office/drawing/2010/main" val="0"/>
+              </a:ext>
+            </a:extLst>
+          </a:blip>
+          <a:srcRect r="916" b="10643"/>
+          <a:stretch/>
+        </p:blipFill>
+        <p:spPr bwMode="auto">
+          <a:xfrm>
+            <a:off x="1035732" y="364958"/>
+            <a:ext cx="9812170" cy="6128084"/>
+          </a:xfrm>
+          <a:prstGeom prst="rect">
+            <a:avLst/>
+          </a:prstGeom>
+          <a:noFill/>
+          <a:extLst>
+            <a:ext uri="{909E8E84-426E-40DD-AFC4-6F175D3DCCD1}">
+              <a14:hiddenFill xmlns:a14="http://schemas.microsoft.com/office/drawing/2010/main">
+                <a:solidFill>
+                  <a:srgbClr val="FFFFFF"/>
+                </a:solidFill>
+              </a14:hiddenFill>
+            </a:ext>
+          </a:extLst>
+        </p:spPr>
+      </p:pic>
+      <p:sp>
+        <p:nvSpPr>
+          <p:cNvPr id="14" name="Rectangle 13">
+            <a:extLst>
+              <a:ext uri="{FF2B5EF4-FFF2-40B4-BE49-F238E27FC236}">
+                <a16:creationId xmlns:a16="http://schemas.microsoft.com/office/drawing/2014/main" id="{7355108C-421C-4849-8327-C8FD8A1DEC5B}"/>
+              </a:ext>
+            </a:extLst>
+          </p:cNvPr>
+          <p:cNvSpPr/>
+          <p:nvPr/>
+        </p:nvSpPr>
+        <p:spPr>
+          <a:xfrm>
+            <a:off x="3136747" y="713853"/>
+            <a:ext cx="5700856" cy="630942"/>
+          </a:xfrm>
+          <a:prstGeom prst="rect">
+            <a:avLst/>
+          </a:prstGeom>
+          <a:noFill/>
+        </p:spPr>
+        <p:txBody>
+          <a:bodyPr wrap="none" lIns="91440" tIns="45720" rIns="91440" bIns="45720">
+            <a:spAutoFit/>
+          </a:bodyPr>
+          <a:lstStyle/>
+          <a:p>
+            <a:pPr algn="ctr"/>
+            <a:r>
+              <a:rPr lang="en-US" sz="3500" b="0" cap="none" spc="0" dirty="0">
+                <a:ln w="0"/>
+                <a:solidFill>
+                  <a:schemeClr val="bg1"/>
+                </a:solidFill>
+                <a:effectLst>
+                  <a:outerShdw blurRad="38100" dist="19050" dir="2700000" algn="tl" rotWithShape="0">
+                    <a:schemeClr val="dk1">
+                      <a:alpha val="40000"/>
+                    </a:schemeClr>
+                  </a:outerShdw>
+                </a:effectLst>
+              </a:rPr>
+              <a:t>Easily Turn On Auto-Skip Intro</a:t>
+            </a:r>
+          </a:p>
+        </p:txBody>
+      </p:sp>
+      <p:pic>
+        <p:nvPicPr>
+          <p:cNvPr id="17" name="Picture 16">
+            <a:extLst>
+              <a:ext uri="{FF2B5EF4-FFF2-40B4-BE49-F238E27FC236}">
+                <a16:creationId xmlns:a16="http://schemas.microsoft.com/office/drawing/2014/main" id="{B1095A3D-B1DB-6B4E-8B9B-03F6F5E33781}"/>
+              </a:ext>
+            </a:extLst>
+          </p:cNvPr>
+          <p:cNvPicPr>
+            <a:picLocks noChangeAspect="1"/>
+          </p:cNvPicPr>
+          <p:nvPr/>
+        </p:nvPicPr>
+        <p:blipFill rotWithShape="1">
+          <a:blip r:embed="rId3">
+            <a:extLst>
+              <a:ext uri="{BEBA8EAE-BF5A-486C-A8C5-ECC9F3942E4B}">
+                <a14:imgProps xmlns:a14="http://schemas.microsoft.com/office/drawing/2010/main">
+                  <a14:imgLayer r:embed="rId4">
+                    <a14:imgEffect>
+                      <a14:artisticBlur radius="25"/>
+                    </a14:imgEffect>
+                  </a14:imgLayer>
+                </a14:imgProps>
+              </a:ext>
+            </a:extLst>
+          </a:blip>
+          <a:srcRect b="13950"/>
+          <a:stretch/>
+        </p:blipFill>
+        <p:spPr>
+          <a:xfrm>
+            <a:off x="3023504" y="1828802"/>
+            <a:ext cx="5943600" cy="3727936"/>
+          </a:xfrm>
+          <a:prstGeom prst="rect">
+            <a:avLst/>
+          </a:prstGeom>
+        </p:spPr>
+      </p:pic>
+      <p:pic>
+        <p:nvPicPr>
+          <p:cNvPr id="20" name="Picture 19">
+            <a:extLst>
+              <a:ext uri="{FF2B5EF4-FFF2-40B4-BE49-F238E27FC236}">
+                <a16:creationId xmlns:a16="http://schemas.microsoft.com/office/drawing/2014/main" id="{C23B6A33-7937-E64F-95A4-AB04085FB1D5}"/>
+              </a:ext>
+            </a:extLst>
+          </p:cNvPr>
+          <p:cNvPicPr>
+            <a:picLocks noChangeAspect="1"/>
+          </p:cNvPicPr>
+          <p:nvPr/>
+        </p:nvPicPr>
+        <p:blipFill rotWithShape="1">
+          <a:blip r:embed="rId5"/>
+          <a:srcRect l="58686" t="4221" r="14538" b="90670"/>
+          <a:stretch/>
+        </p:blipFill>
+        <p:spPr>
+          <a:xfrm>
+            <a:off x="6511490" y="2011680"/>
+            <a:ext cx="1591501" cy="221381"/>
+          </a:xfrm>
+          <a:prstGeom prst="rect">
+            <a:avLst/>
+          </a:prstGeom>
+        </p:spPr>
+      </p:pic>
+      <p:pic>
+        <p:nvPicPr>
+          <p:cNvPr id="21" name="Picture 20">
+            <a:extLst>
+              <a:ext uri="{FF2B5EF4-FFF2-40B4-BE49-F238E27FC236}">
+                <a16:creationId xmlns:a16="http://schemas.microsoft.com/office/drawing/2014/main" id="{9C88B216-ECB2-BE40-A1EC-8771F8A03D06}"/>
+              </a:ext>
+            </a:extLst>
+          </p:cNvPr>
+          <p:cNvPicPr>
+            <a:picLocks noChangeAspect="1"/>
+          </p:cNvPicPr>
+          <p:nvPr/>
+        </p:nvPicPr>
+        <p:blipFill rotWithShape="1">
+          <a:blip r:embed="rId5"/>
+          <a:srcRect l="83462" t="999" r="14538" b="96558"/>
+          <a:stretch/>
+        </p:blipFill>
+        <p:spPr>
+          <a:xfrm>
+            <a:off x="7984156" y="1872114"/>
+            <a:ext cx="118836" cy="105878"/>
+          </a:xfrm>
+          <a:prstGeom prst="rect">
+            <a:avLst/>
+          </a:prstGeom>
+        </p:spPr>
+      </p:pic>
+    </p:spTree>
+    <p:extLst>
+      <p:ext uri="{BB962C8B-B14F-4D97-AF65-F5344CB8AC3E}">
+        <p14:creationId xmlns:p14="http://schemas.microsoft.com/office/powerpoint/2010/main" val="2621310950"/>
+      </p:ext>
+    </p:extLst>
+  </p:cSld>
+  <p:clrMapOvr>
+    <a:masterClrMapping/>
+  </p:clrMapOvr>
+</p:sld>
+</file>
+
+<file path=ppt/slides/slide5.xml><?xml version="1.0" encoding="utf-8"?>
+<p:sld xmlns:a="http://schemas.openxmlformats.org/drawingml/2006/main" xmlns:r="http://schemas.openxmlformats.org/officeDocument/2006/relationships" xmlns:p="http://schemas.openxmlformats.org/presentationml/2006/main">
+  <p:cSld>
+    <p:spTree>
+      <p:nvGrpSpPr>
+        <p:cNvPr id="1" name=""/>
+        <p:cNvGrpSpPr/>
+        <p:nvPr/>
+      </p:nvGrpSpPr>
+      <p:grpSpPr>
+        <a:xfrm>
+          <a:off x="0" y="0"/>
+          <a:ext cx="0" cy="0"/>
+          <a:chOff x="0" y="0"/>
+          <a:chExt cx="0" cy="0"/>
+        </a:xfrm>
+      </p:grpSpPr>
+      <p:grpSp>
+        <p:nvGrpSpPr>
+          <p:cNvPr id="3" name="Group 2">
+            <a:extLst>
+              <a:ext uri="{FF2B5EF4-FFF2-40B4-BE49-F238E27FC236}">
+                <a16:creationId xmlns:a16="http://schemas.microsoft.com/office/drawing/2014/main" id="{E3C266FF-6A58-1842-B5D0-5556EC2F2BAF}"/>
+              </a:ext>
+            </a:extLst>
+          </p:cNvPr>
+          <p:cNvGrpSpPr/>
+          <p:nvPr/>
+        </p:nvGrpSpPr>
+        <p:grpSpPr>
+          <a:xfrm>
+            <a:off x="1035732" y="364958"/>
+            <a:ext cx="9812170" cy="6128084"/>
+            <a:chOff x="1035732" y="364958"/>
+            <a:chExt cx="9812170" cy="6128084"/>
+          </a:xfrm>
+        </p:grpSpPr>
+        <p:pic>
+          <p:nvPicPr>
+            <p:cNvPr id="10" name="Picture 2">
+              <a:extLst>
+                <a:ext uri="{FF2B5EF4-FFF2-40B4-BE49-F238E27FC236}">
+                  <a16:creationId xmlns:a16="http://schemas.microsoft.com/office/drawing/2014/main" id="{FC88FF3C-4796-4E40-8D7F-218292F6A521}"/>
+                </a:ext>
+              </a:extLst>
+            </p:cNvPr>
+            <p:cNvPicPr>
+              <a:picLocks noChangeAspect="1" noChangeArrowheads="1"/>
+            </p:cNvPicPr>
+            <p:nvPr/>
+          </p:nvPicPr>
+          <p:blipFill rotWithShape="1">
+            <a:blip r:embed="rId2">
+              <a:duotone>
+                <a:prstClr val="black"/>
+                <a:srgbClr val="FF0000">
+                  <a:tint val="45000"/>
+                  <a:satMod val="400000"/>
+                </a:srgbClr>
+              </a:duotone>
+              <a:extLst>
+                <a:ext uri="{28A0092B-C50C-407E-A947-70E740481C1C}">
+                  <a14:useLocalDpi xmlns:a14="http://schemas.microsoft.com/office/drawing/2010/main" val="0"/>
+                </a:ext>
+              </a:extLst>
+            </a:blip>
+            <a:srcRect r="916" b="10643"/>
+            <a:stretch/>
+          </p:blipFill>
+          <p:spPr bwMode="auto">
+            <a:xfrm>
+              <a:off x="1035732" y="364958"/>
+              <a:ext cx="9812170" cy="6128084"/>
+            </a:xfrm>
+            <a:prstGeom prst="rect">
+              <a:avLst/>
+            </a:prstGeom>
+            <a:noFill/>
+            <a:extLst>
+              <a:ext uri="{909E8E84-426E-40DD-AFC4-6F175D3DCCD1}">
+                <a14:hiddenFill xmlns:a14="http://schemas.microsoft.com/office/drawing/2010/main">
+                  <a:solidFill>
+                    <a:srgbClr val="FFFFFF"/>
+                  </a:solidFill>
+                </a14:hiddenFill>
+              </a:ext>
+            </a:extLst>
+          </p:spPr>
+        </p:pic>
+        <p:sp>
+          <p:nvSpPr>
+            <p:cNvPr id="14" name="Rectangle 13">
+              <a:extLst>
+                <a:ext uri="{FF2B5EF4-FFF2-40B4-BE49-F238E27FC236}">
+                  <a16:creationId xmlns:a16="http://schemas.microsoft.com/office/drawing/2014/main" id="{7355108C-421C-4849-8327-C8FD8A1DEC5B}"/>
+                </a:ext>
+              </a:extLst>
+            </p:cNvPr>
+            <p:cNvSpPr/>
+            <p:nvPr/>
+          </p:nvSpPr>
+          <p:spPr>
+            <a:xfrm>
+              <a:off x="2265625" y="713853"/>
+              <a:ext cx="7443128" cy="630942"/>
+            </a:xfrm>
+            <a:prstGeom prst="rect">
+              <a:avLst/>
+            </a:prstGeom>
+            <a:noFill/>
+          </p:spPr>
+          <p:txBody>
+            <a:bodyPr wrap="none" lIns="91440" tIns="45720" rIns="91440" bIns="45720">
+              <a:spAutoFit/>
+            </a:bodyPr>
+            <a:lstStyle/>
+            <a:p>
+              <a:pPr algn="ctr"/>
+              <a:r>
+                <a:rPr lang="en-US" sz="3500" b="0" cap="none" spc="0" dirty="0">
+                  <a:ln w="0"/>
+                  <a:solidFill>
+                    <a:schemeClr val="bg1"/>
+                  </a:solidFill>
+                  <a:effectLst>
+                    <a:outerShdw blurRad="38100" dist="19050" dir="2700000" algn="tl" rotWithShape="0">
+                      <a:schemeClr val="dk1">
+                        <a:alpha val="40000"/>
+                      </a:schemeClr>
+                    </a:outerShdw>
+                  </a:effectLst>
+                </a:rPr>
+                <a:t>Support for Multiple Streaming Services</a:t>
+              </a:r>
+            </a:p>
+          </p:txBody>
+        </p:sp>
+        <p:pic>
+          <p:nvPicPr>
+            <p:cNvPr id="2" name="Picture 1">
+              <a:extLst>
+                <a:ext uri="{FF2B5EF4-FFF2-40B4-BE49-F238E27FC236}">
+                  <a16:creationId xmlns:a16="http://schemas.microsoft.com/office/drawing/2014/main" id="{CD98CD2E-4A45-8B49-B09E-D14616039276}"/>
+                </a:ext>
+              </a:extLst>
+            </p:cNvPr>
+            <p:cNvPicPr>
+              <a:picLocks noChangeAspect="1"/>
+            </p:cNvPicPr>
+            <p:nvPr/>
+          </p:nvPicPr>
+          <p:blipFill rotWithShape="1">
+            <a:blip r:embed="rId3"/>
+            <a:srcRect b="11322"/>
+            <a:stretch/>
+          </p:blipFill>
+          <p:spPr>
+            <a:xfrm>
+              <a:off x="3016990" y="1816924"/>
+              <a:ext cx="5956099" cy="3740727"/>
+            </a:xfrm>
+            <a:prstGeom prst="rect">
+              <a:avLst/>
+            </a:prstGeom>
+          </p:spPr>
+        </p:pic>
+      </p:grpSp>
+    </p:spTree>
+    <p:extLst>
+      <p:ext uri="{BB962C8B-B14F-4D97-AF65-F5344CB8AC3E}">
+        <p14:creationId xmlns:p14="http://schemas.microsoft.com/office/powerpoint/2010/main" val="2931602432"/>
+      </p:ext>
+    </p:extLst>
+  </p:cSld>
+  <p:clrMapOvr>
+    <a:masterClrMapping/>
+  </p:clrMapOvr>
+</p:sld>
+</file>
+
+<file path=ppt/slides/slide6.xml><?xml version="1.0" encoding="utf-8"?>
+<p:sld xmlns:a="http://schemas.openxmlformats.org/drawingml/2006/main" xmlns:r="http://schemas.openxmlformats.org/officeDocument/2006/relationships" xmlns:p="http://schemas.openxmlformats.org/presentationml/2006/main">
+  <p:cSld>
+    <p:spTree>
+      <p:nvGrpSpPr>
+        <p:cNvPr id="1" name=""/>
+        <p:cNvGrpSpPr/>
+        <p:nvPr/>
+      </p:nvGrpSpPr>
+      <p:grpSpPr>
+        <a:xfrm>
+          <a:off x="0" y="0"/>
+          <a:ext cx="0" cy="0"/>
+          <a:chOff x="0" y="0"/>
+          <a:chExt cx="0" cy="0"/>
+        </a:xfrm>
+      </p:grpSpPr>
+      <p:grpSp>
+        <p:nvGrpSpPr>
+          <p:cNvPr id="16" name="Group 15">
+            <a:extLst>
+              <a:ext uri="{FF2B5EF4-FFF2-40B4-BE49-F238E27FC236}">
+                <a16:creationId xmlns:a16="http://schemas.microsoft.com/office/drawing/2014/main" id="{0455FC53-49B4-254A-9288-448C8FEA7432}"/>
+              </a:ext>
+            </a:extLst>
+          </p:cNvPr>
+          <p:cNvGrpSpPr/>
+          <p:nvPr/>
+        </p:nvGrpSpPr>
+        <p:grpSpPr>
+          <a:xfrm>
+            <a:off x="8790" y="404445"/>
+            <a:ext cx="11841340" cy="6693155"/>
+            <a:chOff x="8790" y="404445"/>
+            <a:chExt cx="11841340" cy="6693155"/>
+          </a:xfrm>
+        </p:grpSpPr>
+        <p:pic>
+          <p:nvPicPr>
+            <p:cNvPr id="6" name="Picture 2">
+              <a:extLst>
+                <a:ext uri="{FF2B5EF4-FFF2-40B4-BE49-F238E27FC236}">
+                  <a16:creationId xmlns:a16="http://schemas.microsoft.com/office/drawing/2014/main" id="{B0808A15-7A54-E546-B12D-DC59704A734A}"/>
+                </a:ext>
+              </a:extLst>
+            </p:cNvPr>
+            <p:cNvPicPr>
+              <a:picLocks noChangeAspect="1" noChangeArrowheads="1"/>
+            </p:cNvPicPr>
+            <p:nvPr/>
+          </p:nvPicPr>
+          <p:blipFill rotWithShape="1">
+            <a:blip r:embed="rId3">
+              <a:duotone>
+                <a:prstClr val="black"/>
+                <a:srgbClr val="FF0000">
+                  <a:tint val="45000"/>
+                  <a:satMod val="400000"/>
+                </a:srgbClr>
+              </a:duotone>
+              <a:extLst>
+                <a:ext uri="{BEBA8EAE-BF5A-486C-A8C5-ECC9F3942E4B}">
+                  <a14:imgProps xmlns:a14="http://schemas.microsoft.com/office/drawing/2010/main">
+                    <a14:imgLayer r:embed="rId4">
+                      <a14:imgEffect>
+                        <a14:artisticBlur/>
+                      </a14:imgEffect>
+                    </a14:imgLayer>
+                  </a14:imgProps>
+                </a:ext>
+                <a:ext uri="{28A0092B-C50C-407E-A947-70E740481C1C}">
+                  <a14:useLocalDpi xmlns:a14="http://schemas.microsoft.com/office/drawing/2010/main" val="0"/>
+                </a:ext>
+              </a:extLst>
+            </a:blip>
+            <a:srcRect t="5447" r="916" b="10643"/>
+            <a:stretch/>
+          </p:blipFill>
+          <p:spPr bwMode="auto">
+            <a:xfrm>
+              <a:off x="1023375" y="404446"/>
+              <a:ext cx="9812170" cy="5754530"/>
+            </a:xfrm>
+            <a:prstGeom prst="rect">
+              <a:avLst/>
+            </a:prstGeom>
+            <a:noFill/>
+            <a:extLst>
+              <a:ext uri="{909E8E84-426E-40DD-AFC4-6F175D3DCCD1}">
+                <a14:hiddenFill xmlns:a14="http://schemas.microsoft.com/office/drawing/2010/main">
+                  <a:solidFill>
+                    <a:srgbClr val="FFFFFF"/>
+                  </a:solidFill>
+                </a14:hiddenFill>
+              </a:ext>
+            </a:extLst>
+          </p:spPr>
+        </p:pic>
+        <p:pic>
+          <p:nvPicPr>
+            <p:cNvPr id="7" name="Picture 6">
+              <a:extLst>
+                <a:ext uri="{FF2B5EF4-FFF2-40B4-BE49-F238E27FC236}">
+                  <a16:creationId xmlns:a16="http://schemas.microsoft.com/office/drawing/2014/main" id="{646401CA-593F-E247-A5E7-06790FC2F207}"/>
+                </a:ext>
+              </a:extLst>
+            </p:cNvPr>
+            <p:cNvPicPr>
+              <a:picLocks noChangeAspect="1"/>
+            </p:cNvPicPr>
+            <p:nvPr/>
+          </p:nvPicPr>
+          <p:blipFill rotWithShape="1">
+            <a:blip r:embed="rId5">
+              <a:extLst>
+                <a:ext uri="{BEBA8EAE-BF5A-486C-A8C5-ECC9F3942E4B}">
+                  <a14:imgProps xmlns:a14="http://schemas.microsoft.com/office/drawing/2010/main">
+                    <a14:imgLayer r:embed="rId6">
+                      <a14:imgEffect>
+                        <a14:artisticBlur radius="25"/>
+                      </a14:imgEffect>
+                    </a14:imgLayer>
+                  </a14:imgProps>
+                </a:ext>
+              </a:extLst>
+            </a:blip>
+            <a:srcRect b="13950"/>
+            <a:stretch/>
+          </p:blipFill>
+          <p:spPr>
+            <a:xfrm>
+              <a:off x="3011147" y="1494736"/>
+              <a:ext cx="5943600" cy="3727936"/>
+            </a:xfrm>
+            <a:prstGeom prst="rect">
+              <a:avLst/>
+            </a:prstGeom>
+          </p:spPr>
+        </p:pic>
+        <p:sp>
+          <p:nvSpPr>
+            <p:cNvPr id="8" name="Rectangle 7">
+              <a:extLst>
+                <a:ext uri="{FF2B5EF4-FFF2-40B4-BE49-F238E27FC236}">
+                  <a16:creationId xmlns:a16="http://schemas.microsoft.com/office/drawing/2014/main" id="{495C6DB7-28D9-6749-AAB1-2EEF571BE4D8}"/>
+                </a:ext>
+              </a:extLst>
+            </p:cNvPr>
+            <p:cNvSpPr/>
+            <p:nvPr/>
+          </p:nvSpPr>
+          <p:spPr>
+            <a:xfrm>
+              <a:off x="1023375" y="6158977"/>
+              <a:ext cx="10678474" cy="938622"/>
+            </a:xfrm>
+            <a:prstGeom prst="rect">
+              <a:avLst/>
+            </a:prstGeom>
+            <a:solidFill>
+              <a:srgbClr val="DD5C5C"/>
+            </a:solidFill>
+            <a:ln>
+              <a:noFill/>
+            </a:ln>
+          </p:spPr>
+          <p:style>
+            <a:lnRef idx="2">
+              <a:schemeClr val="accent1">
+                <a:shade val="50000"/>
+              </a:schemeClr>
+            </a:lnRef>
+            <a:fillRef idx="1">
+              <a:schemeClr val="accent1"/>
+            </a:fillRef>
+            <a:effectRef idx="0">
+              <a:schemeClr val="accent1"/>
+            </a:effectRef>
+            <a:fontRef idx="minor">
+              <a:schemeClr val="lt1"/>
+            </a:fontRef>
+          </p:style>
+          <p:txBody>
+            <a:bodyPr rtlCol="0" anchor="ctr"/>
+            <a:lstStyle/>
+            <a:p>
+              <a:pPr algn="ctr"/>
+              <a:endParaRPr lang="en-US"/>
+            </a:p>
+          </p:txBody>
+        </p:sp>
+        <p:sp>
+          <p:nvSpPr>
+            <p:cNvPr id="9" name="Rectangle 8">
+              <a:extLst>
+                <a:ext uri="{FF2B5EF4-FFF2-40B4-BE49-F238E27FC236}">
+                  <a16:creationId xmlns:a16="http://schemas.microsoft.com/office/drawing/2014/main" id="{6C49E52D-C812-2143-9295-5C6CBDA6CDD2}"/>
+                </a:ext>
+              </a:extLst>
+            </p:cNvPr>
+            <p:cNvSpPr/>
+            <p:nvPr/>
+          </p:nvSpPr>
+          <p:spPr>
+            <a:xfrm>
+              <a:off x="10835545" y="404445"/>
+              <a:ext cx="1014585" cy="6693154"/>
+            </a:xfrm>
+            <a:prstGeom prst="rect">
+              <a:avLst/>
+            </a:prstGeom>
+            <a:solidFill>
+              <a:srgbClr val="DD5C5C"/>
+            </a:solidFill>
+            <a:ln>
+              <a:noFill/>
+            </a:ln>
+          </p:spPr>
+          <p:style>
+            <a:lnRef idx="2">
+              <a:schemeClr val="accent1">
+                <a:shade val="50000"/>
+              </a:schemeClr>
+            </a:lnRef>
+            <a:fillRef idx="1">
+              <a:schemeClr val="accent1"/>
+            </a:fillRef>
+            <a:effectRef idx="0">
+              <a:schemeClr val="accent1"/>
+            </a:effectRef>
+            <a:fontRef idx="minor">
+              <a:schemeClr val="lt1"/>
+            </a:fontRef>
+          </p:style>
+          <p:txBody>
+            <a:bodyPr rtlCol="0" anchor="ctr"/>
+            <a:lstStyle/>
+            <a:p>
+              <a:pPr algn="ctr"/>
+              <a:endParaRPr lang="en-US"/>
+            </a:p>
+          </p:txBody>
+        </p:sp>
+        <p:sp>
+          <p:nvSpPr>
+            <p:cNvPr id="10" name="Rectangle 9">
+              <a:extLst>
+                <a:ext uri="{FF2B5EF4-FFF2-40B4-BE49-F238E27FC236}">
+                  <a16:creationId xmlns:a16="http://schemas.microsoft.com/office/drawing/2014/main" id="{A233D8AB-988A-2143-BBFE-80DE453A58B0}"/>
+                </a:ext>
+              </a:extLst>
+            </p:cNvPr>
+            <p:cNvSpPr/>
+            <p:nvPr/>
+          </p:nvSpPr>
+          <p:spPr>
+            <a:xfrm>
+              <a:off x="8790" y="404446"/>
+              <a:ext cx="1014585" cy="6693154"/>
+            </a:xfrm>
+            <a:prstGeom prst="rect">
+              <a:avLst/>
+            </a:prstGeom>
+            <a:solidFill>
+              <a:srgbClr val="DD5C5C"/>
+            </a:solidFill>
+            <a:ln>
+              <a:noFill/>
+            </a:ln>
+          </p:spPr>
+          <p:style>
+            <a:lnRef idx="2">
+              <a:schemeClr val="accent1">
+                <a:shade val="50000"/>
+              </a:schemeClr>
+            </a:lnRef>
+            <a:fillRef idx="1">
+              <a:schemeClr val="accent1"/>
+            </a:fillRef>
+            <a:effectRef idx="0">
+              <a:schemeClr val="accent1"/>
+            </a:effectRef>
+            <a:fontRef idx="minor">
+              <a:schemeClr val="lt1"/>
+            </a:fontRef>
+          </p:style>
+          <p:txBody>
+            <a:bodyPr rtlCol="0" anchor="ctr"/>
+            <a:lstStyle/>
+            <a:p>
+              <a:pPr algn="ctr"/>
+              <a:endParaRPr lang="en-US" dirty="0"/>
+            </a:p>
+          </p:txBody>
+        </p:sp>
+        <p:sp>
+          <p:nvSpPr>
+            <p:cNvPr id="15" name="Rectangle 14">
+              <a:extLst>
+                <a:ext uri="{FF2B5EF4-FFF2-40B4-BE49-F238E27FC236}">
+                  <a16:creationId xmlns:a16="http://schemas.microsoft.com/office/drawing/2014/main" id="{D3F9D007-2ABC-BE49-835A-1FB747F5C01B}"/>
+                </a:ext>
+              </a:extLst>
+            </p:cNvPr>
+            <p:cNvSpPr/>
+            <p:nvPr/>
+          </p:nvSpPr>
+          <p:spPr>
+            <a:xfrm>
+              <a:off x="3391625" y="2731891"/>
+              <a:ext cx="5182644" cy="1747497"/>
+            </a:xfrm>
+            <a:prstGeom prst="rect">
+              <a:avLst/>
+            </a:prstGeom>
+            <a:solidFill>
+              <a:schemeClr val="tx1"/>
+            </a:solidFill>
+            <a:ln>
+              <a:noFill/>
+            </a:ln>
+          </p:spPr>
+          <p:style>
+            <a:lnRef idx="2">
+              <a:schemeClr val="accent6"/>
+            </a:lnRef>
+            <a:fillRef idx="1">
+              <a:schemeClr val="lt1"/>
+            </a:fillRef>
+            <a:effectRef idx="0">
+              <a:schemeClr val="accent6"/>
+            </a:effectRef>
+            <a:fontRef idx="minor">
+              <a:schemeClr val="dk1"/>
+            </a:fontRef>
+          </p:style>
+          <p:txBody>
+            <a:bodyPr rtlCol="0" anchor="ctr"/>
+            <a:lstStyle/>
+            <a:p>
+              <a:pPr algn="ctr"/>
+              <a:r>
+                <a:rPr lang="en-US" sz="8000" dirty="0">
+                  <a:solidFill>
+                    <a:schemeClr val="bg2"/>
+                  </a:solidFill>
+                </a:rPr>
+                <a:t>Skip Intro</a:t>
+              </a:r>
+            </a:p>
+          </p:txBody>
+        </p:sp>
+        <p:pic>
+          <p:nvPicPr>
+            <p:cNvPr id="14" name="Picture 10" descr="Hand Click Icon - Free vector graphic on Pixabay">
+              <a:extLst>
+                <a:ext uri="{FF2B5EF4-FFF2-40B4-BE49-F238E27FC236}">
+                  <a16:creationId xmlns:a16="http://schemas.microsoft.com/office/drawing/2014/main" id="{92CE46A8-D000-7747-9F36-E1DCBFD998CF}"/>
+                </a:ext>
+              </a:extLst>
+            </p:cNvPr>
+            <p:cNvPicPr>
+              <a:picLocks noChangeAspect="1" noChangeArrowheads="1"/>
+            </p:cNvPicPr>
+            <p:nvPr/>
+          </p:nvPicPr>
+          <p:blipFill>
+            <a:blip r:embed="rId7">
+              <a:extLst>
+                <a:ext uri="{28A0092B-C50C-407E-A947-70E740481C1C}">
+                  <a14:useLocalDpi xmlns:a14="http://schemas.microsoft.com/office/drawing/2010/main" val="0"/>
+                </a:ext>
+              </a:extLst>
+            </a:blip>
+            <a:srcRect/>
+            <a:stretch>
+              <a:fillRect/>
+            </a:stretch>
+          </p:blipFill>
+          <p:spPr bwMode="auto">
+            <a:xfrm>
+              <a:off x="7550877" y="3674840"/>
+              <a:ext cx="2037977" cy="3095664"/>
+            </a:xfrm>
+            <a:prstGeom prst="rect">
+              <a:avLst/>
+            </a:prstGeom>
+            <a:noFill/>
+            <a:extLst>
+              <a:ext uri="{909E8E84-426E-40DD-AFC4-6F175D3DCCD1}">
+                <a14:hiddenFill xmlns:a14="http://schemas.microsoft.com/office/drawing/2010/main">
+                  <a:solidFill>
+                    <a:srgbClr val="FFFFFF"/>
+                  </a:solidFill>
+                </a14:hiddenFill>
+              </a:ext>
+            </a:extLst>
+          </p:spPr>
+        </p:pic>
+      </p:grpSp>
+    </p:spTree>
+    <p:extLst>
+      <p:ext uri="{BB962C8B-B14F-4D97-AF65-F5344CB8AC3E}">
+        <p14:creationId xmlns:p14="http://schemas.microsoft.com/office/powerpoint/2010/main" val="2508503243"/>
       </p:ext>
     </p:extLst>
   </p:cSld>
@@ -4126,4 +5775,299 @@
     </a:ext>
   </a:extLst>
 </a:theme>
+</file>
+
+<file path=ppt/theme/theme2.xml><?xml version="1.0" encoding="utf-8"?>
+<a:theme xmlns:a="http://schemas.openxmlformats.org/drawingml/2006/main" name="Office Theme">
+  <a:themeElements>
+    <a:clrScheme name="Office">
+      <a:dk1>
+        <a:sysClr val="windowText" lastClr="000000"/>
+      </a:dk1>
+      <a:lt1>
+        <a:sysClr val="window" lastClr="FFFFFF"/>
+      </a:lt1>
+      <a:dk2>
+        <a:srgbClr val="44546A"/>
+      </a:dk2>
+      <a:lt2>
+        <a:srgbClr val="E7E6E6"/>
+      </a:lt2>
+      <a:accent1>
+        <a:srgbClr val="4472C4"/>
+      </a:accent1>
+      <a:accent2>
+        <a:srgbClr val="ED7D31"/>
+      </a:accent2>
+      <a:accent3>
+        <a:srgbClr val="A5A5A5"/>
+      </a:accent3>
+      <a:accent4>
+        <a:srgbClr val="FFC000"/>
+      </a:accent4>
+      <a:accent5>
+        <a:srgbClr val="5B9BD5"/>
+      </a:accent5>
+      <a:accent6>
+        <a:srgbClr val="70AD47"/>
+      </a:accent6>
+      <a:hlink>
+        <a:srgbClr val="0563C1"/>
+      </a:hlink>
+      <a:folHlink>
+        <a:srgbClr val="954F72"/>
+      </a:folHlink>
+    </a:clrScheme>
+    <a:fontScheme name="Office">
+      <a:majorFont>
+        <a:latin typeface="Calibri Light" panose="020F0302020204030204"/>
+        <a:ea typeface=""/>
+        <a:cs typeface=""/>
+        <a:font script="Jpan" typeface="游ゴシック Light"/>
+        <a:font script="Hang" typeface="맑은 고딕"/>
+        <a:font script="Hans" typeface="等线 Light"/>
+        <a:font script="Hant" typeface="新細明體"/>
+        <a:font script="Arab" typeface="Times New Roman"/>
+        <a:font script="Hebr" typeface="Times New Roman"/>
+        <a:font script="Thai" typeface="Angsana New"/>
+        <a:font script="Ethi" typeface="Nyala"/>
+        <a:font script="Beng" typeface="Vrinda"/>
+        <a:font script="Gujr" typeface="Shruti"/>
+        <a:font script="Khmr" typeface="MoolBoran"/>
+        <a:font script="Knda" typeface="Tunga"/>
+        <a:font script="Guru" typeface="Raavi"/>
+        <a:font script="Cans" typeface="Euphemia"/>
+        <a:font script="Cher" typeface="Plantagenet Cherokee"/>
+        <a:font script="Yiii" typeface="Microsoft Yi Baiti"/>
+        <a:font script="Tibt" typeface="Microsoft Himalaya"/>
+        <a:font script="Thaa" typeface="MV Boli"/>
+        <a:font script="Deva" typeface="Mangal"/>
+        <a:font script="Telu" typeface="Gautami"/>
+        <a:font script="Taml" typeface="Latha"/>
+        <a:font script="Syrc" typeface="Estrangelo Edessa"/>
+        <a:font script="Orya" typeface="Kalinga"/>
+        <a:font script="Mlym" typeface="Kartika"/>
+        <a:font script="Laoo" typeface="DokChampa"/>
+        <a:font script="Sinh" typeface="Iskoola Pota"/>
+        <a:font script="Mong" typeface="Mongolian Baiti"/>
+        <a:font script="Viet" typeface="Times New Roman"/>
+        <a:font script="Uigh" typeface="Microsoft Uighur"/>
+        <a:font script="Geor" typeface="Sylfaen"/>
+        <a:font script="Armn" typeface="Arial"/>
+        <a:font script="Bugi" typeface="Leelawadee UI"/>
+        <a:font script="Bopo" typeface="Microsoft JhengHei"/>
+        <a:font script="Java" typeface="Javanese Text"/>
+        <a:font script="Lisu" typeface="Segoe UI"/>
+        <a:font script="Mymr" typeface="Myanmar Text"/>
+        <a:font script="Nkoo" typeface="Ebrima"/>
+        <a:font script="Olck" typeface="Nirmala UI"/>
+        <a:font script="Osma" typeface="Ebrima"/>
+        <a:font script="Phag" typeface="Phagspa"/>
+        <a:font script="Syrn" typeface="Estrangelo Edessa"/>
+        <a:font script="Syrj" typeface="Estrangelo Edessa"/>
+        <a:font script="Syre" typeface="Estrangelo Edessa"/>
+        <a:font script="Sora" typeface="Nirmala UI"/>
+        <a:font script="Tale" typeface="Microsoft Tai Le"/>
+        <a:font script="Talu" typeface="Microsoft New Tai Lue"/>
+        <a:font script="Tfng" typeface="Ebrima"/>
+      </a:majorFont>
+      <a:minorFont>
+        <a:latin typeface="Calibri" panose="020F0502020204030204"/>
+        <a:ea typeface=""/>
+        <a:cs typeface=""/>
+        <a:font script="Jpan" typeface="游ゴシック"/>
+        <a:font script="Hang" typeface="맑은 고딕"/>
+        <a:font script="Hans" typeface="等线"/>
+        <a:font script="Hant" typeface="新細明體"/>
+        <a:font script="Arab" typeface="Arial"/>
+        <a:font script="Hebr" typeface="Arial"/>
+        <a:font script="Thai" typeface="Cordia New"/>
+        <a:font script="Ethi" typeface="Nyala"/>
+        <a:font script="Beng" typeface="Vrinda"/>
+        <a:font script="Gujr" typeface="Shruti"/>
+        <a:font script="Khmr" typeface="DaunPenh"/>
+        <a:font script="Knda" typeface="Tunga"/>
+        <a:font script="Guru" typeface="Raavi"/>
+        <a:font script="Cans" typeface="Euphemia"/>
+        <a:font script="Cher" typeface="Plantagenet Cherokee"/>
+        <a:font script="Yiii" typeface="Microsoft Yi Baiti"/>
+        <a:font script="Tibt" typeface="Microsoft Himalaya"/>
+        <a:font script="Thaa" typeface="MV Boli"/>
+        <a:font script="Deva" typeface="Mangal"/>
+        <a:font script="Telu" typeface="Gautami"/>
+        <a:font script="Taml" typeface="Latha"/>
+        <a:font script="Syrc" typeface="Estrangelo Edessa"/>
+        <a:font script="Orya" typeface="Kalinga"/>
+        <a:font script="Mlym" typeface="Kartika"/>
+        <a:font script="Laoo" typeface="DokChampa"/>
+        <a:font script="Sinh" typeface="Iskoola Pota"/>
+        <a:font script="Mong" typeface="Mongolian Baiti"/>
+        <a:font script="Viet" typeface="Arial"/>
+        <a:font script="Uigh" typeface="Microsoft Uighur"/>
+        <a:font script="Geor" typeface="Sylfaen"/>
+        <a:font script="Armn" typeface="Arial"/>
+        <a:font script="Bugi" typeface="Leelawadee UI"/>
+        <a:font script="Bopo" typeface="Microsoft JhengHei"/>
+        <a:font script="Java" typeface="Javanese Text"/>
+        <a:font script="Lisu" typeface="Segoe UI"/>
+        <a:font script="Mymr" typeface="Myanmar Text"/>
+        <a:font script="Nkoo" typeface="Ebrima"/>
+        <a:font script="Olck" typeface="Nirmala UI"/>
+        <a:font script="Osma" typeface="Ebrima"/>
+        <a:font script="Phag" typeface="Phagspa"/>
+        <a:font script="Syrn" typeface="Estrangelo Edessa"/>
+        <a:font script="Syrj" typeface="Estrangelo Edessa"/>
+        <a:font script="Syre" typeface="Estrangelo Edessa"/>
+        <a:font script="Sora" typeface="Nirmala UI"/>
+        <a:font script="Tale" typeface="Microsoft Tai Le"/>
+        <a:font script="Talu" typeface="Microsoft New Tai Lue"/>
+        <a:font script="Tfng" typeface="Ebrima"/>
+      </a:minorFont>
+    </a:fontScheme>
+    <a:fmtScheme name="Office">
+      <a:fillStyleLst>
+        <a:solidFill>
+          <a:schemeClr val="phClr"/>
+        </a:solidFill>
+        <a:gradFill rotWithShape="1">
+          <a:gsLst>
+            <a:gs pos="0">
+              <a:schemeClr val="phClr">
+                <a:lumMod val="110000"/>
+                <a:satMod val="105000"/>
+                <a:tint val="67000"/>
+              </a:schemeClr>
+            </a:gs>
+            <a:gs pos="50000">
+              <a:schemeClr val="phClr">
+                <a:lumMod val="105000"/>
+                <a:satMod val="103000"/>
+                <a:tint val="73000"/>
+              </a:schemeClr>
+            </a:gs>
+            <a:gs pos="100000">
+              <a:schemeClr val="phClr">
+                <a:lumMod val="105000"/>
+                <a:satMod val="109000"/>
+                <a:tint val="81000"/>
+              </a:schemeClr>
+            </a:gs>
+          </a:gsLst>
+          <a:lin ang="5400000" scaled="0"/>
+        </a:gradFill>
+        <a:gradFill rotWithShape="1">
+          <a:gsLst>
+            <a:gs pos="0">
+              <a:schemeClr val="phClr">
+                <a:satMod val="103000"/>
+                <a:lumMod val="102000"/>
+                <a:tint val="94000"/>
+              </a:schemeClr>
+            </a:gs>
+            <a:gs pos="50000">
+              <a:schemeClr val="phClr">
+                <a:satMod val="110000"/>
+                <a:lumMod val="100000"/>
+                <a:shade val="100000"/>
+              </a:schemeClr>
+            </a:gs>
+            <a:gs pos="100000">
+              <a:schemeClr val="phClr">
+                <a:lumMod val="99000"/>
+                <a:satMod val="120000"/>
+                <a:shade val="78000"/>
+              </a:schemeClr>
+            </a:gs>
+          </a:gsLst>
+          <a:lin ang="5400000" scaled="0"/>
+        </a:gradFill>
+      </a:fillStyleLst>
+      <a:lnStyleLst>
+        <a:ln w="6350" cap="flat" cmpd="sng" algn="ctr">
+          <a:solidFill>
+            <a:schemeClr val="phClr"/>
+          </a:solidFill>
+          <a:prstDash val="solid"/>
+          <a:miter lim="800000"/>
+        </a:ln>
+        <a:ln w="12700" cap="flat" cmpd="sng" algn="ctr">
+          <a:solidFill>
+            <a:schemeClr val="phClr"/>
+          </a:solidFill>
+          <a:prstDash val="solid"/>
+          <a:miter lim="800000"/>
+        </a:ln>
+        <a:ln w="19050" cap="flat" cmpd="sng" algn="ctr">
+          <a:solidFill>
+            <a:schemeClr val="phClr"/>
+          </a:solidFill>
+          <a:prstDash val="solid"/>
+          <a:miter lim="800000"/>
+        </a:ln>
+      </a:lnStyleLst>
+      <a:effectStyleLst>
+        <a:effectStyle>
+          <a:effectLst/>
+        </a:effectStyle>
+        <a:effectStyle>
+          <a:effectLst/>
+        </a:effectStyle>
+        <a:effectStyle>
+          <a:effectLst>
+            <a:outerShdw blurRad="57150" dist="19050" dir="5400000" algn="ctr" rotWithShape="0">
+              <a:srgbClr val="000000">
+                <a:alpha val="63000"/>
+              </a:srgbClr>
+            </a:outerShdw>
+          </a:effectLst>
+        </a:effectStyle>
+      </a:effectStyleLst>
+      <a:bgFillStyleLst>
+        <a:solidFill>
+          <a:schemeClr val="phClr"/>
+        </a:solidFill>
+        <a:solidFill>
+          <a:schemeClr val="phClr">
+            <a:tint val="95000"/>
+            <a:satMod val="170000"/>
+          </a:schemeClr>
+        </a:solidFill>
+        <a:gradFill rotWithShape="1">
+          <a:gsLst>
+            <a:gs pos="0">
+              <a:schemeClr val="phClr">
+                <a:tint val="93000"/>
+                <a:satMod val="150000"/>
+                <a:shade val="98000"/>
+                <a:lumMod val="102000"/>
+              </a:schemeClr>
+            </a:gs>
+            <a:gs pos="50000">
+              <a:schemeClr val="phClr">
+                <a:tint val="98000"/>
+                <a:satMod val="130000"/>
+                <a:shade val="90000"/>
+                <a:lumMod val="103000"/>
+              </a:schemeClr>
+            </a:gs>
+            <a:gs pos="100000">
+              <a:schemeClr val="phClr">
+                <a:shade val="63000"/>
+                <a:satMod val="120000"/>
+              </a:schemeClr>
+            </a:gs>
+          </a:gsLst>
+          <a:lin ang="5400000" scaled="0"/>
+        </a:gradFill>
+      </a:bgFillStyleLst>
+    </a:fmtScheme>
+  </a:themeElements>
+  <a:objectDefaults/>
+  <a:extraClrSchemeLst/>
+  <a:extLst>
+    <a:ext uri="{05A4C25C-085E-4340-85A3-A5531E510DB2}">
+      <thm15:themeFamily xmlns:thm15="http://schemas.microsoft.com/office/thememl/2012/main" name="Office Theme" id="{62F939B6-93AF-4DB8-9C6B-D6C7DFDC589F}" vid="{4A3C46E8-61CC-4603-A589-7422A47A8E4A}"/>
+    </a:ext>
+  </a:extLst>
+</a:theme>
 </file>